--- a/docs/assets/examples/SIVA infographic template and style guide Sept 23.pptx
+++ b/docs/assets/examples/SIVA infographic template and style guide Sept 23.pptx
@@ -254,7 +254,7 @@
           <a:p>
             <a:fld id="{41FE7968-F7B5-E248-8F1E-0B7CAD49CDA3}" type="datetimeFigureOut">
               <a:rPr lang="en-US" smtClean="0"/>
-              <a:t>9/7/23</a:t>
+              <a:t>9/11/23</a:t>
             </a:fld>
             <a:endParaRPr lang="en-US"/>
           </a:p>
@@ -424,7 +424,7 @@
           <a:p>
             <a:fld id="{41FE7968-F7B5-E248-8F1E-0B7CAD49CDA3}" type="datetimeFigureOut">
               <a:rPr lang="en-US" smtClean="0"/>
-              <a:t>9/7/23</a:t>
+              <a:t>9/11/23</a:t>
             </a:fld>
             <a:endParaRPr lang="en-US"/>
           </a:p>
@@ -604,7 +604,7 @@
           <a:p>
             <a:fld id="{41FE7968-F7B5-E248-8F1E-0B7CAD49CDA3}" type="datetimeFigureOut">
               <a:rPr lang="en-US" smtClean="0"/>
-              <a:t>9/7/23</a:t>
+              <a:t>9/11/23</a:t>
             </a:fld>
             <a:endParaRPr lang="en-US"/>
           </a:p>
@@ -774,7 +774,7 @@
           <a:p>
             <a:fld id="{41FE7968-F7B5-E248-8F1E-0B7CAD49CDA3}" type="datetimeFigureOut">
               <a:rPr lang="en-US" smtClean="0"/>
-              <a:t>9/7/23</a:t>
+              <a:t>9/11/23</a:t>
             </a:fld>
             <a:endParaRPr lang="en-US"/>
           </a:p>
@@ -1018,7 +1018,7 @@
           <a:p>
             <a:fld id="{41FE7968-F7B5-E248-8F1E-0B7CAD49CDA3}" type="datetimeFigureOut">
               <a:rPr lang="en-US" smtClean="0"/>
-              <a:t>9/7/23</a:t>
+              <a:t>9/11/23</a:t>
             </a:fld>
             <a:endParaRPr lang="en-US"/>
           </a:p>
@@ -1250,7 +1250,7 @@
           <a:p>
             <a:fld id="{41FE7968-F7B5-E248-8F1E-0B7CAD49CDA3}" type="datetimeFigureOut">
               <a:rPr lang="en-US" smtClean="0"/>
-              <a:t>9/7/23</a:t>
+              <a:t>9/11/23</a:t>
             </a:fld>
             <a:endParaRPr lang="en-US"/>
           </a:p>
@@ -1617,7 +1617,7 @@
           <a:p>
             <a:fld id="{41FE7968-F7B5-E248-8F1E-0B7CAD49CDA3}" type="datetimeFigureOut">
               <a:rPr lang="en-US" smtClean="0"/>
-              <a:t>9/7/23</a:t>
+              <a:t>9/11/23</a:t>
             </a:fld>
             <a:endParaRPr lang="en-US"/>
           </a:p>
@@ -1735,7 +1735,7 @@
           <a:p>
             <a:fld id="{41FE7968-F7B5-E248-8F1E-0B7CAD49CDA3}" type="datetimeFigureOut">
               <a:rPr lang="en-US" smtClean="0"/>
-              <a:t>9/7/23</a:t>
+              <a:t>9/11/23</a:t>
             </a:fld>
             <a:endParaRPr lang="en-US"/>
           </a:p>
@@ -1830,7 +1830,7 @@
           <a:p>
             <a:fld id="{41FE7968-F7B5-E248-8F1E-0B7CAD49CDA3}" type="datetimeFigureOut">
               <a:rPr lang="en-US" smtClean="0"/>
-              <a:t>9/7/23</a:t>
+              <a:t>9/11/23</a:t>
             </a:fld>
             <a:endParaRPr lang="en-US"/>
           </a:p>
@@ -2107,7 +2107,7 @@
           <a:p>
             <a:fld id="{41FE7968-F7B5-E248-8F1E-0B7CAD49CDA3}" type="datetimeFigureOut">
               <a:rPr lang="en-US" smtClean="0"/>
-              <a:t>9/7/23</a:t>
+              <a:t>9/11/23</a:t>
             </a:fld>
             <a:endParaRPr lang="en-US"/>
           </a:p>
@@ -2364,7 +2364,7 @@
           <a:p>
             <a:fld id="{41FE7968-F7B5-E248-8F1E-0B7CAD49CDA3}" type="datetimeFigureOut">
               <a:rPr lang="en-US" smtClean="0"/>
-              <a:t>9/7/23</a:t>
+              <a:t>9/11/23</a:t>
             </a:fld>
             <a:endParaRPr lang="en-US"/>
           </a:p>
@@ -2577,7 +2577,7 @@
           <a:p>
             <a:fld id="{41FE7968-F7B5-E248-8F1E-0B7CAD49CDA3}" type="datetimeFigureOut">
               <a:rPr lang="en-US" smtClean="0"/>
-              <a:t>9/7/23</a:t>
+              <a:t>9/11/23</a:t>
             </a:fld>
             <a:endParaRPr lang="en-US"/>
           </a:p>
@@ -3872,16 +3872,34 @@
                 </a:solidFill>
                 <a:latin typeface="Avenir Book" panose="02000503020000020003" pitchFamily="2" charset="0"/>
               </a:rPr>
-              <a:t>Midnight 1</a:t>
-            </a:r>
-            <a:r>
-              <a:rPr lang="en-US" sz="1400" b="1" baseline="30000" dirty="0">
-                <a:solidFill>
-                  <a:schemeClr val="tx1"/>
-                </a:solidFill>
-                <a:latin typeface="Avenir Book" panose="02000503020000020003" pitchFamily="2" charset="0"/>
-              </a:rPr>
-              <a:t>st</a:t>
+              <a:t>Midnight </a:t>
+            </a:r>
+            <a:r>
+              <a:rPr lang="en-US" sz="1400" b="1">
+                <a:solidFill>
+                  <a:schemeClr val="tx1"/>
+                </a:solidFill>
+                <a:latin typeface="Avenir Book" panose="02000503020000020003" pitchFamily="2" charset="0"/>
+              </a:rPr>
+              <a:t>20</a:t>
+            </a:r>
+            <a:r>
+              <a:rPr lang="en-US" sz="1400" b="1" baseline="30000">
+                <a:solidFill>
+                  <a:schemeClr val="tx1"/>
+                </a:solidFill>
+                <a:latin typeface="Avenir Book" panose="02000503020000020003" pitchFamily="2" charset="0"/>
+              </a:rPr>
+              <a:t>th</a:t>
+            </a:r>
+            <a:r>
+              <a:rPr lang="en-US" sz="1400" b="1">
+                <a:solidFill>
+                  <a:schemeClr val="tx1"/>
+                </a:solidFill>
+                <a:latin typeface="Avenir Book" panose="02000503020000020003" pitchFamily="2" charset="0"/>
+              </a:rPr>
+              <a:t> Oct </a:t>
             </a:r>
             <a:r>
               <a:rPr lang="en-US" sz="1400" b="1" dirty="0">
@@ -3890,7 +3908,7 @@
                 </a:solidFill>
                 <a:latin typeface="Avenir Book" panose="02000503020000020003" pitchFamily="2" charset="0"/>
               </a:rPr>
-              <a:t> Nov 2023</a:t>
+              <a:t>2023</a:t>
             </a:r>
           </a:p>
           <a:p>
